--- a/Projetos de Software/Aula 09 - Arrays e Listas/Array e Listas.pptx
+++ b/Projetos de Software/Aula 09 - Arrays e Listas/Array e Listas.pptx
@@ -25,8 +25,8 @@
     <p:sldId id="268" r:id="rId16"/>
     <p:sldId id="269" r:id="rId17"/>
     <p:sldId id="270" r:id="rId18"/>
-    <p:sldId id="273" r:id="rId19"/>
-    <p:sldId id="272" r:id="rId20"/>
+    <p:sldId id="272" r:id="rId19"/>
+    <p:sldId id="273" r:id="rId20"/>
   </p:sldIdLst>
   <p:sldSz cx="12192000" cy="6858000"/>
   <p:notesSz cx="6858000" cy="9144000"/>
@@ -238,7 +238,7 @@
           <a:p>
             <a:fld id="{FCBB45FB-FC1C-4893-B550-48C1193193C6}" type="datetimeFigureOut">
               <a:rPr lang="pt-BR" smtClean="0"/>
-              <a:t>18/01/2025</a:t>
+              <a:t>16/04/2025</a:t>
             </a:fld>
             <a:endParaRPr lang="pt-BR"/>
           </a:p>
@@ -941,7 +941,7 @@
           <a:p>
             <a:fld id="{CDD55C27-F8C6-4481-8569-CAC50CAE9F1F}" type="datetimeFigureOut">
               <a:rPr lang="pt-BR" smtClean="0"/>
-              <a:t>18/01/2025</a:t>
+              <a:t>16/04/2025</a:t>
             </a:fld>
             <a:endParaRPr lang="pt-BR"/>
           </a:p>
@@ -1440,7 +1440,7 @@
           <a:p>
             <a:fld id="{CDD55C27-F8C6-4481-8569-CAC50CAE9F1F}" type="datetimeFigureOut">
               <a:rPr lang="pt-BR" smtClean="0"/>
-              <a:t>18/01/2025</a:t>
+              <a:t>16/04/2025</a:t>
             </a:fld>
             <a:endParaRPr lang="pt-BR"/>
           </a:p>
@@ -1743,7 +1743,7 @@
           <a:p>
             <a:fld id="{CDD55C27-F8C6-4481-8569-CAC50CAE9F1F}" type="datetimeFigureOut">
               <a:rPr lang="pt-BR" smtClean="0"/>
-              <a:t>18/01/2025</a:t>
+              <a:t>16/04/2025</a:t>
             </a:fld>
             <a:endParaRPr lang="pt-BR"/>
           </a:p>
@@ -2194,7 +2194,7 @@
           <a:p>
             <a:fld id="{CDD55C27-F8C6-4481-8569-CAC50CAE9F1F}" type="datetimeFigureOut">
               <a:rPr lang="pt-BR" smtClean="0"/>
-              <a:t>18/01/2025</a:t>
+              <a:t>16/04/2025</a:t>
             </a:fld>
             <a:endParaRPr lang="pt-BR"/>
           </a:p>
@@ -2367,7 +2367,7 @@
           <a:p>
             <a:fld id="{CDD55C27-F8C6-4481-8569-CAC50CAE9F1F}" type="datetimeFigureOut">
               <a:rPr lang="pt-BR" smtClean="0"/>
-              <a:t>18/01/2025</a:t>
+              <a:t>16/04/2025</a:t>
             </a:fld>
             <a:endParaRPr lang="pt-BR"/>
           </a:p>
@@ -2504,7 +2504,7 @@
           <a:p>
             <a:fld id="{CDD55C27-F8C6-4481-8569-CAC50CAE9F1F}" type="datetimeFigureOut">
               <a:rPr lang="pt-BR" smtClean="0"/>
-              <a:t>18/01/2025</a:t>
+              <a:t>16/04/2025</a:t>
             </a:fld>
             <a:endParaRPr lang="pt-BR"/>
           </a:p>
@@ -2848,7 +2848,7 @@
           <a:p>
             <a:fld id="{CDD55C27-F8C6-4481-8569-CAC50CAE9F1F}" type="datetimeFigureOut">
               <a:rPr lang="pt-BR" smtClean="0"/>
-              <a:t>18/01/2025</a:t>
+              <a:t>16/04/2025</a:t>
             </a:fld>
             <a:endParaRPr lang="pt-BR"/>
           </a:p>
@@ -3169,7 +3169,7 @@
           <a:p>
             <a:fld id="{CDD55C27-F8C6-4481-8569-CAC50CAE9F1F}" type="datetimeFigureOut">
               <a:rPr lang="pt-BR" smtClean="0"/>
-              <a:t>18/01/2025</a:t>
+              <a:t>16/04/2025</a:t>
             </a:fld>
             <a:endParaRPr lang="pt-BR"/>
           </a:p>
@@ -6972,10 +6972,9 @@
           </a:lstStyle>
           <a:p>
             <a:r>
-              <a:rPr lang="pt-BR" sz="1800"/>
-              <a:t>Descobrindo a posição de uma elemento</a:t>
-            </a:r>
-            <a:endParaRPr lang="pt-BR" sz="1800" dirty="0"/>
+              <a:rPr lang="pt-BR" sz="1800" dirty="0"/>
+              <a:t>Descobrindo a posição de um elemento</a:t>
+            </a:r>
           </a:p>
         </p:txBody>
       </p:sp>
@@ -7302,10 +7301,79 @@
       </p:sp>
       <p:sp>
         <p:nvSpPr>
+          <p:cNvPr id="3" name="Espaço Reservado para Conteúdo 2">
+            <a:extLst>
+              <a:ext uri="{FF2B5EF4-FFF2-40B4-BE49-F238E27FC236}">
+                <a16:creationId xmlns:a16="http://schemas.microsoft.com/office/drawing/2014/main" id="{40EE18BB-708A-40E1-A859-C69C955F9DE0}"/>
+              </a:ext>
+            </a:extLst>
+          </p:cNvPr>
+          <p:cNvSpPr>
+            <a:spLocks noGrp="1"/>
+          </p:cNvSpPr>
+          <p:nvPr>
+            <p:ph idx="1"/>
+          </p:nvPr>
+        </p:nvSpPr>
+        <p:spPr>
+          <a:xfrm>
+            <a:off x="592347" y="1844674"/>
+            <a:ext cx="11007306" cy="2640240"/>
+          </a:xfrm>
+        </p:spPr>
+        <p:txBody>
+          <a:bodyPr/>
+          <a:lstStyle/>
+          <a:p>
+            <a:r>
+              <a:rPr lang="pt-BR" b="1" dirty="0"/>
+              <a:t>Desafio 03: Verificar Elementos Duplicados</a:t>
+            </a:r>
+          </a:p>
+          <a:p>
+            <a:pPr lvl="1" indent="0">
+              <a:buNone/>
+            </a:pPr>
+            <a:r>
+              <a:rPr lang="pt-BR" dirty="0"/>
+              <a:t>Crie uma lista de números e descubra quais números são pares. Crie uma nova lista somente com os números pares.</a:t>
+            </a:r>
+          </a:p>
+          <a:p>
+            <a:pPr lvl="1" indent="0">
+              <a:buNone/>
+            </a:pPr>
+            <a:r>
+              <a:rPr lang="pt-BR" dirty="0"/>
+              <a:t>Exemplo: </a:t>
+            </a:r>
+          </a:p>
+          <a:p>
+            <a:pPr lvl="2" indent="0">
+              <a:buNone/>
+            </a:pPr>
+            <a:r>
+              <a:rPr lang="pt-BR" dirty="0"/>
+              <a:t>Lista de números: [10, 20, 5, 6, 9, 5]  </a:t>
+            </a:r>
+          </a:p>
+          <a:p>
+            <a:pPr lvl="2" indent="0">
+              <a:buNone/>
+            </a:pPr>
+            <a:r>
+              <a:rPr lang="pt-BR" dirty="0"/>
+              <a:t>Números duplicados: [10, 20,6] </a:t>
+            </a:r>
+          </a:p>
+        </p:txBody>
+      </p:sp>
+      <p:sp>
+        <p:nvSpPr>
           <p:cNvPr id="4" name="Espaço Reservado para Conteúdo 2">
             <a:extLst>
               <a:ext uri="{FF2B5EF4-FFF2-40B4-BE49-F238E27FC236}">
-                <a16:creationId xmlns:a16="http://schemas.microsoft.com/office/drawing/2014/main" id="{F95FAF26-B07F-4B8D-9F0C-5BA865276F68}"/>
+                <a16:creationId xmlns:a16="http://schemas.microsoft.com/office/drawing/2014/main" id="{2999C7B9-6944-4F2A-958F-99E736B7B63B}"/>
               </a:ext>
             </a:extLst>
           </p:cNvPr>
@@ -7316,8 +7384,8 @@
         </p:nvSpPr>
         <p:spPr>
           <a:xfrm>
-            <a:off x="592347" y="2656114"/>
-            <a:ext cx="11007306" cy="2535738"/>
+            <a:off x="592347" y="4217759"/>
+            <a:ext cx="11007306" cy="2313670"/>
           </a:xfrm>
           <a:prstGeom prst="rect">
             <a:avLst/>
@@ -7492,16 +7560,15 @@
           <a:p>
             <a:r>
               <a:rPr lang="pt-BR" b="1" dirty="0"/>
-              <a:t>Desafio 03: Palavras de Comprimento Par ou Ímpar</a:t>
-            </a:r>
-          </a:p>
-          <a:p>
-            <a:pPr lvl="1" indent="0">
-              <a:buNone/>
-            </a:pPr>
-            <a:r>
-              <a:rPr lang="pt-BR" dirty="0"/>
-              <a:t>Solicite que o usuário insira várias palavras. Ordene-as pelo comprimento (do menor para o maior) e exiba o resultado.</a:t>
+              <a:t>Desafio 04: Remove Palavras que Contêm um </a:t>
+            </a:r>
+            <a:r>
+              <a:rPr lang="pt-BR" b="1" dirty="0" err="1"/>
+              <a:t>Caracter</a:t>
+            </a:r>
+            <a:r>
+              <a:rPr lang="pt-BR" b="1" dirty="0"/>
+              <a:t> Específico</a:t>
             </a:r>
           </a:p>
           <a:p>
@@ -7511,34 +7578,37 @@
             </a:pPr>
             <a:r>
               <a:rPr lang="pt-BR" dirty="0"/>
-              <a:t>Exemplo: </a:t>
-            </a:r>
-          </a:p>
-          <a:p>
-            <a:pPr lvl="2" indent="0">
+              <a:t>Crie uma lista de palavras e remova todas que contêm uma letra específica fornecida pelo usuário.</a:t>
+            </a:r>
+          </a:p>
+          <a:p>
+            <a:pPr lvl="1" indent="0">
+              <a:buFont typeface="Arial" panose="020B0604020202020204" pitchFamily="34" charset="0"/>
               <a:buNone/>
             </a:pPr>
             <a:r>
               <a:rPr lang="pt-BR" dirty="0"/>
-              <a:t>Palavras inseridas: [Java, Python, App, Aplicação]</a:t>
+              <a:t>Exemplo: </a:t>
             </a:r>
           </a:p>
           <a:p>
             <a:pPr lvl="2" indent="0">
+              <a:buFont typeface="Arial" panose="020B0604020202020204" pitchFamily="34" charset="0"/>
               <a:buNone/>
             </a:pPr>
             <a:r>
               <a:rPr lang="pt-BR" dirty="0"/>
-              <a:t>Palavras com comprimento par: [Python, Aplicação]</a:t>
+              <a:t>Palavras originais: [Banana, Maçã, Abacate, Manga]  </a:t>
             </a:r>
           </a:p>
           <a:p>
             <a:pPr lvl="2" indent="0">
+              <a:buFont typeface="Arial" panose="020B0604020202020204" pitchFamily="34" charset="0"/>
               <a:buNone/>
             </a:pPr>
             <a:r>
               <a:rPr lang="pt-BR" dirty="0"/>
-              <a:t>Palavras com comprimento ímpar: [Java, App]</a:t>
+              <a:t>Removendo palavras que contêm “a": [] </a:t>
             </a:r>
           </a:p>
         </p:txBody>
@@ -7546,7 +7616,7 @@
     </p:spTree>
     <p:extLst>
       <p:ext uri="{BB962C8B-B14F-4D97-AF65-F5344CB8AC3E}">
-        <p14:creationId xmlns:p14="http://schemas.microsoft.com/office/powerpoint/2010/main" val="289603229"/>
+        <p14:creationId xmlns:p14="http://schemas.microsoft.com/office/powerpoint/2010/main" val="3922673028"/>
       </p:ext>
     </p:extLst>
   </p:cSld>
@@ -7603,79 +7673,10 @@
       </p:sp>
       <p:sp>
         <p:nvSpPr>
-          <p:cNvPr id="3" name="Espaço Reservado para Conteúdo 2">
-            <a:extLst>
-              <a:ext uri="{FF2B5EF4-FFF2-40B4-BE49-F238E27FC236}">
-                <a16:creationId xmlns:a16="http://schemas.microsoft.com/office/drawing/2014/main" id="{40EE18BB-708A-40E1-A859-C69C955F9DE0}"/>
-              </a:ext>
-            </a:extLst>
-          </p:cNvPr>
-          <p:cNvSpPr>
-            <a:spLocks noGrp="1"/>
-          </p:cNvSpPr>
-          <p:nvPr>
-            <p:ph idx="1"/>
-          </p:nvPr>
-        </p:nvSpPr>
-        <p:spPr>
-          <a:xfrm>
-            <a:off x="592347" y="1844674"/>
-            <a:ext cx="11007306" cy="2640240"/>
-          </a:xfrm>
-        </p:spPr>
-        <p:txBody>
-          <a:bodyPr/>
-          <a:lstStyle/>
-          <a:p>
-            <a:r>
-              <a:rPr lang="pt-BR" b="1" dirty="0"/>
-              <a:t>Desafio 04: Verificar Elementos Duplicados</a:t>
-            </a:r>
-          </a:p>
-          <a:p>
-            <a:pPr lvl="1" indent="0">
-              <a:buNone/>
-            </a:pPr>
-            <a:r>
-              <a:rPr lang="pt-BR" dirty="0"/>
-              <a:t>Crie uma lista de números e descubra quais números são pares. Crie uma nova lista somente com os números pares.</a:t>
-            </a:r>
-          </a:p>
-          <a:p>
-            <a:pPr lvl="1" indent="0">
-              <a:buNone/>
-            </a:pPr>
-            <a:r>
-              <a:rPr lang="pt-BR" dirty="0"/>
-              <a:t>Exemplo: </a:t>
-            </a:r>
-          </a:p>
-          <a:p>
-            <a:pPr lvl="2" indent="0">
-              <a:buNone/>
-            </a:pPr>
-            <a:r>
-              <a:rPr lang="pt-BR" dirty="0"/>
-              <a:t>Lista de números: [10, 20, 5, 6, 9, 5]  </a:t>
-            </a:r>
-          </a:p>
-          <a:p>
-            <a:pPr lvl="2" indent="0">
-              <a:buNone/>
-            </a:pPr>
-            <a:r>
-              <a:rPr lang="pt-BR" dirty="0"/>
-              <a:t>Números duplicados: [10, 20,6] </a:t>
-            </a:r>
-          </a:p>
-        </p:txBody>
-      </p:sp>
-      <p:sp>
-        <p:nvSpPr>
           <p:cNvPr id="4" name="Espaço Reservado para Conteúdo 2">
             <a:extLst>
               <a:ext uri="{FF2B5EF4-FFF2-40B4-BE49-F238E27FC236}">
-                <a16:creationId xmlns:a16="http://schemas.microsoft.com/office/drawing/2014/main" id="{2999C7B9-6944-4F2A-958F-99E736B7B63B}"/>
+                <a16:creationId xmlns:a16="http://schemas.microsoft.com/office/drawing/2014/main" id="{F95FAF26-B07F-4B8D-9F0C-5BA865276F68}"/>
               </a:ext>
             </a:extLst>
           </p:cNvPr>
@@ -7686,8 +7687,8 @@
         </p:nvSpPr>
         <p:spPr>
           <a:xfrm>
-            <a:off x="592347" y="4217759"/>
-            <a:ext cx="11007306" cy="2313670"/>
+            <a:off x="592347" y="2656114"/>
+            <a:ext cx="11007306" cy="2535738"/>
           </a:xfrm>
           <a:prstGeom prst="rect">
             <a:avLst/>
@@ -7862,15 +7863,16 @@
           <a:p>
             <a:r>
               <a:rPr lang="pt-BR" b="1" dirty="0"/>
-              <a:t>Desafio 05: Remove Palavras que Contêm um </a:t>
-            </a:r>
-            <a:r>
-              <a:rPr lang="pt-BR" b="1" dirty="0" err="1"/>
-              <a:t>Caracter</a:t>
-            </a:r>
-            <a:r>
-              <a:rPr lang="pt-BR" b="1" dirty="0"/>
-              <a:t> Específico</a:t>
+              <a:t>Desafio 03: Palavras de Comprimento Par ou Ímpar</a:t>
+            </a:r>
+          </a:p>
+          <a:p>
+            <a:pPr lvl="1" indent="0">
+              <a:buNone/>
+            </a:pPr>
+            <a:r>
+              <a:rPr lang="pt-BR" dirty="0"/>
+              <a:t>Solicite que o usuário insira várias palavras. Ordene-as pelo comprimento (do menor para o maior) e exiba o resultado.</a:t>
             </a:r>
           </a:p>
           <a:p>
@@ -7880,37 +7882,34 @@
             </a:pPr>
             <a:r>
               <a:rPr lang="pt-BR" dirty="0"/>
-              <a:t>Crie uma lista de palavras e remova todas que contêm uma letra específica fornecida pelo usuário.</a:t>
-            </a:r>
-          </a:p>
-          <a:p>
-            <a:pPr lvl="1" indent="0">
-              <a:buFont typeface="Arial" panose="020B0604020202020204" pitchFamily="34" charset="0"/>
+              <a:t>Exemplo: </a:t>
+            </a:r>
+          </a:p>
+          <a:p>
+            <a:pPr lvl="2" indent="0">
               <a:buNone/>
             </a:pPr>
             <a:r>
               <a:rPr lang="pt-BR" dirty="0"/>
-              <a:t>Exemplo: </a:t>
+              <a:t>Palavras inseridas: [Java, Python, App, Aplicação]</a:t>
             </a:r>
           </a:p>
           <a:p>
             <a:pPr lvl="2" indent="0">
-              <a:buFont typeface="Arial" panose="020B0604020202020204" pitchFamily="34" charset="0"/>
               <a:buNone/>
             </a:pPr>
             <a:r>
               <a:rPr lang="pt-BR" dirty="0"/>
-              <a:t>Palavras originais: [Banana, Maçã, Abacate, Manga]  </a:t>
+              <a:t>Palavras com comprimento par: [Python, Aplicação]</a:t>
             </a:r>
           </a:p>
           <a:p>
             <a:pPr lvl="2" indent="0">
-              <a:buFont typeface="Arial" panose="020B0604020202020204" pitchFamily="34" charset="0"/>
               <a:buNone/>
             </a:pPr>
             <a:r>
               <a:rPr lang="pt-BR" dirty="0"/>
-              <a:t>Removendo palavras que contêm “a": [] </a:t>
+              <a:t>Palavras com comprimento ímpar: [Java, App]</a:t>
             </a:r>
           </a:p>
         </p:txBody>
@@ -7918,7 +7917,7 @@
     </p:spTree>
     <p:extLst>
       <p:ext uri="{BB962C8B-B14F-4D97-AF65-F5344CB8AC3E}">
-        <p14:creationId xmlns:p14="http://schemas.microsoft.com/office/powerpoint/2010/main" val="3922673028"/>
+        <p14:creationId xmlns:p14="http://schemas.microsoft.com/office/powerpoint/2010/main" val="289603229"/>
       </p:ext>
     </p:extLst>
   </p:cSld>
